--- a/PPT/spc.pptx
+++ b/PPT/spc.pptx
@@ -2,7 +2,7 @@
 <file path=ppt/presentation.xml><?xml version="1.0" encoding="utf-8"?>
 <p:presentation xmlns:r="http://schemas.openxmlformats.org/officeDocument/2006/relationships" xmlns:c="http://schemas.openxmlformats.org/drawingml/2006/chart" xmlns:a="http://schemas.openxmlformats.org/drawingml/2006/main" xmlns:dgm="http://schemas.openxmlformats.org/drawingml/2006/diagram" xmlns:dsp="http://schemas.microsoft.com/office/drawing/2008/diagram" xmlns:p="http://schemas.openxmlformats.org/presentationml/2006/main">
   <p:sldMasterIdLst>
-    <p:sldMasterId id="2147483724" r:id="rId1"/>
+    <p:sldMasterId id="2147483718" r:id="rId1"/>
   </p:sldMasterIdLst>
   <p:sldIdLst>
     <p:sldId id="256" r:id="rId2"/>
@@ -3645,7 +3645,7 @@
         <p:spPr/>
         <p:txBody>
           <a:bodyPr>
-            <a:normAutofit fontScale="85000" lnSpcReduction="20000"/>
+            <a:normAutofit fontScale="92500" lnSpcReduction="20000"/>
           </a:bodyPr>
           <a:lstStyle/>
           <a:p>
@@ -3688,7 +3688,7 @@
               <a:rPr lang="en-US" altLang="ko-KR"/>
               <a:t>.</a:t>
             </a:r>
-            <a:endParaRPr lang="ko-KR" altLang="en-US"/>
+            <a:endParaRPr lang="en-US" altLang="ko-KR"/>
           </a:p>
           <a:p>
             <a:pPr>
@@ -4135,13 +4135,13 @@
             </a:pPr>
             <a:r>
               <a:rPr lang="ko-KR" altLang="en-US"/>
-              <a:t>바쁜 일상 속에서 공부를 병행하는 선택을 하신 여러분을 응원합니다</a:t>
+              <a:t>바쁜 일상 속에서 공부를 병행하는 선택을 하신 학우님들을 응원합니다</a:t>
             </a:r>
             <a:r>
               <a:rPr lang="en-US" altLang="ko-KR"/>
               <a:t>.</a:t>
             </a:r>
-            <a:endParaRPr lang="ko-KR" altLang="en-US"/>
+            <a:endParaRPr lang="en-US" altLang="ko-KR"/>
           </a:p>
           <a:p>
             <a:pPr>
@@ -4155,7 +4155,7 @@
             </a:pPr>
             <a:r>
               <a:rPr lang="ko-KR" altLang="en-US"/>
-              <a:t>복습 계획 계산기로 공부에 날개를 다시길 바랍니다</a:t>
+              <a:t>복습 계획 계산기로 공부에 날개를 다시길 기원합니다</a:t>
             </a:r>
             <a:r>
               <a:rPr lang="en-US" altLang="ko-KR"/>
@@ -4257,19 +4257,71 @@
             </a:pPr>
             <a:r>
               <a:rPr lang="ko-KR" altLang="en-US"/>
-              <a:t>복습 계획 계산기</a:t>
-            </a:r>
-            <a:endParaRPr lang="ko-KR" altLang="en-US"/>
+              <a:t>복습 계획 계산기 </a:t>
+            </a:r>
+            <a:r>
+              <a:rPr lang="en-US" altLang="ko-KR"/>
+              <a:t>Spaced Practice Calculator</a:t>
+            </a:r>
+            <a:endParaRPr lang="en-US" altLang="ko-KR"/>
           </a:p>
           <a:p>
             <a:pPr>
               <a:defRPr/>
             </a:pPr>
             <a:r>
+              <a:rPr lang="ko-KR" altLang="en-US"/>
+              <a:t>별명은 </a:t>
+            </a:r>
+            <a:r>
               <a:rPr lang="en-US" altLang="ko-KR"/>
               <a:t>KNOU-HOW</a:t>
             </a:r>
+            <a:r>
+              <a:rPr lang="ko-KR" altLang="en-US"/>
+              <a:t> </a:t>
+            </a:r>
+            <a:r>
+              <a:rPr lang="en-US" altLang="ko-KR"/>
+              <a:t>(KNOU</a:t>
+            </a:r>
+            <a:r>
+              <a:rPr lang="ko-KR" altLang="en-US"/>
+              <a:t>와 노하우에서 따왔습니다</a:t>
+            </a:r>
+            <a:r>
+              <a:rPr lang="en-US" altLang="ko-KR"/>
+              <a:t>)</a:t>
+            </a:r>
             <a:endParaRPr lang="en-US" altLang="ko-KR"/>
+          </a:p>
+          <a:p>
+            <a:pPr>
+              <a:defRPr/>
+            </a:pPr>
+            <a:r>
+              <a:rPr lang="ko-KR" altLang="en-US"/>
+              <a:t>소스코드 공개에 동의합니다</a:t>
+            </a:r>
+            <a:endParaRPr lang="ko-KR" altLang="en-US"/>
+          </a:p>
+          <a:p>
+            <a:pPr>
+              <a:defRPr/>
+            </a:pPr>
+            <a:r>
+              <a:rPr lang="ko-KR" altLang="en-US"/>
+              <a:t>윈도우즈용 실행파일은 </a:t>
+            </a:r>
+            <a:r>
+              <a:rPr lang="en-US" altLang="ko-KR"/>
+              <a:t>PyInstaller</a:t>
+            </a:r>
+            <a:r>
+              <a:rPr lang="ko-KR" altLang="en-US"/>
+              <a:t>를 사용하였습니다</a:t>
+            </a:r>
+            <a:endParaRPr lang="ko-KR" altLang="en-US"/>
           </a:p>
           <a:p>
             <a:pPr>
